--- a/Presentations/RASD_presentation.pptx
+++ b/Presentations/RASD_presentation.pptx
@@ -22,7 +22,8 @@
     <p:sldId id="270" r:id="rId16"/>
     <p:sldId id="271" r:id="rId17"/>
     <p:sldId id="272" r:id="rId18"/>
-    <p:sldId id="273" r:id="rId19"/>
+    <p:sldId id="274" r:id="rId19"/>
+    <p:sldId id="273" r:id="rId20"/>
   </p:sldIdLst>
   <p:sldSz cx="9144000" cy="6858000" type="screen4x3"/>
   <p:notesSz cx="6858000" cy="9144000"/>
@@ -3245,7 +3246,7 @@
           <a:p>
             <a:fld id="{71445E73-7709-3942-9E29-76FEB334D014}" type="datetimeFigureOut">
               <a:rPr lang="en-US" smtClean="0"/>
-              <a:t>11/14/16</a:t>
+              <a:t>11/16/16</a:t>
             </a:fld>
             <a:endParaRPr lang="en-US"/>
           </a:p>
@@ -3410,7 +3411,7 @@
           <a:p>
             <a:fld id="{71445E73-7709-3942-9E29-76FEB334D014}" type="datetimeFigureOut">
               <a:rPr lang="en-US" smtClean="0"/>
-              <a:t>11/14/16</a:t>
+              <a:t>11/16/16</a:t>
             </a:fld>
             <a:endParaRPr lang="en-US"/>
           </a:p>
@@ -3585,7 +3586,7 @@
           <a:p>
             <a:fld id="{71445E73-7709-3942-9E29-76FEB334D014}" type="datetimeFigureOut">
               <a:rPr lang="en-US" smtClean="0"/>
-              <a:t>11/14/16</a:t>
+              <a:t>11/16/16</a:t>
             </a:fld>
             <a:endParaRPr lang="en-US"/>
           </a:p>
@@ -3750,7 +3751,7 @@
           <a:p>
             <a:fld id="{71445E73-7709-3942-9E29-76FEB334D014}" type="datetimeFigureOut">
               <a:rPr lang="en-US" smtClean="0"/>
-              <a:t>11/14/16</a:t>
+              <a:t>11/16/16</a:t>
             </a:fld>
             <a:endParaRPr lang="en-US"/>
           </a:p>
@@ -3989,7 +3990,7 @@
           <a:p>
             <a:fld id="{71445E73-7709-3942-9E29-76FEB334D014}" type="datetimeFigureOut">
               <a:rPr lang="en-US" smtClean="0"/>
-              <a:t>11/14/16</a:t>
+              <a:t>11/16/16</a:t>
             </a:fld>
             <a:endParaRPr lang="en-US"/>
           </a:p>
@@ -4216,7 +4217,7 @@
           <a:p>
             <a:fld id="{71445E73-7709-3942-9E29-76FEB334D014}" type="datetimeFigureOut">
               <a:rPr lang="en-US" smtClean="0"/>
-              <a:t>11/14/16</a:t>
+              <a:t>11/16/16</a:t>
             </a:fld>
             <a:endParaRPr lang="en-US"/>
           </a:p>
@@ -4578,7 +4579,7 @@
           <a:p>
             <a:fld id="{71445E73-7709-3942-9E29-76FEB334D014}" type="datetimeFigureOut">
               <a:rPr lang="en-US" smtClean="0"/>
-              <a:t>11/14/16</a:t>
+              <a:t>11/16/16</a:t>
             </a:fld>
             <a:endParaRPr lang="en-US"/>
           </a:p>
@@ -4691,7 +4692,7 @@
           <a:p>
             <a:fld id="{71445E73-7709-3942-9E29-76FEB334D014}" type="datetimeFigureOut">
               <a:rPr lang="en-US" smtClean="0"/>
-              <a:t>11/14/16</a:t>
+              <a:t>11/16/16</a:t>
             </a:fld>
             <a:endParaRPr lang="en-US"/>
           </a:p>
@@ -4781,7 +4782,7 @@
           <a:p>
             <a:fld id="{71445E73-7709-3942-9E29-76FEB334D014}" type="datetimeFigureOut">
               <a:rPr lang="en-US" smtClean="0"/>
-              <a:t>11/14/16</a:t>
+              <a:t>11/16/16</a:t>
             </a:fld>
             <a:endParaRPr lang="en-US"/>
           </a:p>
@@ -5053,7 +5054,7 @@
           <a:p>
             <a:fld id="{71445E73-7709-3942-9E29-76FEB334D014}" type="datetimeFigureOut">
               <a:rPr lang="en-US" smtClean="0"/>
-              <a:t>11/14/16</a:t>
+              <a:t>11/16/16</a:t>
             </a:fld>
             <a:endParaRPr lang="en-US"/>
           </a:p>
@@ -5305,7 +5306,7 @@
           <a:p>
             <a:fld id="{71445E73-7709-3942-9E29-76FEB334D014}" type="datetimeFigureOut">
               <a:rPr lang="en-US" smtClean="0"/>
-              <a:t>11/14/16</a:t>
+              <a:t>11/16/16</a:t>
             </a:fld>
             <a:endParaRPr lang="en-US"/>
           </a:p>
@@ -5513,7 +5514,7 @@
           <a:p>
             <a:fld id="{71445E73-7709-3942-9E29-76FEB334D014}" type="datetimeFigureOut">
               <a:rPr lang="en-US" smtClean="0"/>
-              <a:t>11/14/16</a:t>
+              <a:t>11/16/16</a:t>
             </a:fld>
             <a:endParaRPr lang="en-US"/>
           </a:p>
@@ -6123,7 +6124,7 @@
           <a:p>
             <a:fld id="{1D7F627E-EA13-DB47-86A6-F904E9402158}" type="datetime1">
               <a:rPr lang="it-IT"/>
-              <a:t>14/11/16</a:t>
+              <a:t>16/11/16</a:t>
             </a:fld>
             <a:endParaRPr lang="en-US" dirty="0"/>
           </a:p>
@@ -7419,6 +7420,88 @@
 </file>
 
 <file path=ppt/slides/slide18.xml><?xml version="1.0" encoding="utf-8"?>
+<p:sld xmlns:a="http://schemas.openxmlformats.org/drawingml/2006/main" xmlns:r="http://schemas.openxmlformats.org/officeDocument/2006/relationships" xmlns:p="http://schemas.openxmlformats.org/presentationml/2006/main">
+  <p:cSld>
+    <p:spTree>
+      <p:nvGrpSpPr>
+        <p:cNvPr id="1" name=""/>
+        <p:cNvGrpSpPr/>
+        <p:nvPr/>
+      </p:nvGrpSpPr>
+      <p:grpSpPr>
+        <a:xfrm>
+          <a:off x="0" y="0"/>
+          <a:ext cx="0" cy="0"/>
+          <a:chOff x="0" y="0"/>
+          <a:chExt cx="0" cy="0"/>
+        </a:xfrm>
+      </p:grpSpPr>
+      <p:sp>
+        <p:nvSpPr>
+          <p:cNvPr id="2" name="Title 1"/>
+          <p:cNvSpPr>
+            <a:spLocks noGrp="1"/>
+          </p:cNvSpPr>
+          <p:nvPr>
+            <p:ph type="title"/>
+          </p:nvPr>
+        </p:nvSpPr>
+        <p:spPr/>
+        <p:txBody>
+          <a:bodyPr/>
+          <a:lstStyle/>
+          <a:p>
+            <a:r>
+              <a:rPr lang="en-US" dirty="0" smtClean="0"/>
+              <a:t>Class diagram</a:t>
+            </a:r>
+            <a:endParaRPr lang="en-US" dirty="0"/>
+          </a:p>
+        </p:txBody>
+      </p:sp>
+      <p:pic>
+        <p:nvPicPr>
+          <p:cNvPr id="4" name="Content Placeholder 3"/>
+          <p:cNvPicPr>
+            <a:picLocks noGrp="1" noChangeAspect="1"/>
+          </p:cNvPicPr>
+          <p:nvPr>
+            <p:ph idx="1"/>
+          </p:nvPr>
+        </p:nvPicPr>
+        <p:blipFill>
+          <a:blip r:embed="rId2">
+            <a:extLst>
+              <a:ext uri="{28A0092B-C50C-407E-A947-70E740481C1C}">
+                <a14:useLocalDpi xmlns:a14="http://schemas.microsoft.com/office/drawing/2010/main" val="0"/>
+              </a:ext>
+            </a:extLst>
+          </a:blip>
+          <a:stretch>
+            <a:fillRect/>
+          </a:stretch>
+        </p:blipFill>
+        <p:spPr>
+          <a:xfrm>
+            <a:off x="986662" y="1306580"/>
+            <a:ext cx="6264744" cy="5288257"/>
+          </a:xfrm>
+        </p:spPr>
+      </p:pic>
+    </p:spTree>
+    <p:extLst>
+      <p:ext uri="{BB962C8B-B14F-4D97-AF65-F5344CB8AC3E}">
+        <p14:creationId xmlns:p14="http://schemas.microsoft.com/office/powerpoint/2010/main" val="1511088976"/>
+      </p:ext>
+    </p:extLst>
+  </p:cSld>
+  <p:clrMapOvr>
+    <a:masterClrMapping/>
+  </p:clrMapOvr>
+</p:sld>
+</file>
+
+<file path=ppt/slides/slide19.xml><?xml version="1.0" encoding="utf-8"?>
 <p:sld xmlns:a="http://schemas.openxmlformats.org/drawingml/2006/main" xmlns:r="http://schemas.openxmlformats.org/officeDocument/2006/relationships" xmlns:p="http://schemas.openxmlformats.org/presentationml/2006/main">
   <p:cSld>
     <p:spTree>

--- a/Presentations/RASD_presentation.pptx
+++ b/Presentations/RASD_presentation.pptx
@@ -976,7 +976,11 @@
         <a:p>
           <a:r>
             <a:rPr lang="en-US" dirty="0" smtClean="0"/>
-            <a:t>PE Mobile</a:t>
+            <a:t>PE </a:t>
+          </a:r>
+          <a:r>
+            <a:rPr lang="en-US" dirty="0" smtClean="0"/>
+            <a:t>Client - Web and mobile</a:t>
           </a:r>
           <a:endParaRPr lang="en-US" dirty="0"/>
         </a:p>
@@ -1015,7 +1019,11 @@
         <a:p>
           <a:r>
             <a:rPr lang="en-US" dirty="0" smtClean="0"/>
-            <a:t>PE Web</a:t>
+            <a:t>PE </a:t>
+          </a:r>
+          <a:r>
+            <a:rPr lang="en-US" dirty="0" smtClean="0"/>
+            <a:t>Administrator</a:t>
           </a:r>
           <a:endParaRPr lang="en-US" dirty="0"/>
         </a:p>
@@ -1475,12 +1483,12 @@
         </a:fontRef>
       </dsp:style>
       <dsp:txBody>
-        <a:bodyPr spcFirstLastPara="0" vert="horz" wrap="square" lIns="12065" tIns="12065" rIns="12065" bIns="12065" numCol="1" spcCol="1270" anchor="ctr" anchorCtr="0">
+        <a:bodyPr spcFirstLastPara="0" vert="horz" wrap="square" lIns="6350" tIns="6350" rIns="6350" bIns="6350" numCol="1" spcCol="1270" anchor="ctr" anchorCtr="0">
           <a:noAutofit/>
         </a:bodyPr>
         <a:lstStyle/>
         <a:p>
-          <a:pPr lvl="0" algn="ctr" defTabSz="844550">
+          <a:pPr lvl="0" algn="ctr" defTabSz="444500">
             <a:lnSpc>
               <a:spcPct val="90000"/>
             </a:lnSpc>
@@ -1492,10 +1500,10 @@
             </a:spcAft>
           </a:pPr>
           <a:r>
-            <a:rPr lang="en-US" sz="1900" kern="1200" dirty="0" smtClean="0"/>
+            <a:rPr lang="en-US" sz="1000" kern="1200" dirty="0" smtClean="0"/>
             <a:t>PE Car</a:t>
           </a:r>
-          <a:endParaRPr lang="en-US" sz="1900" kern="1200" dirty="0"/>
+          <a:endParaRPr lang="en-US" sz="1000" kern="1200" dirty="0"/>
         </a:p>
       </dsp:txBody>
       <dsp:txXfrm>
@@ -1648,12 +1656,12 @@
         </a:fontRef>
       </dsp:style>
       <dsp:txBody>
-        <a:bodyPr spcFirstLastPara="0" vert="horz" wrap="square" lIns="12065" tIns="12065" rIns="12065" bIns="12065" numCol="1" spcCol="1270" anchor="ctr" anchorCtr="0">
+        <a:bodyPr spcFirstLastPara="0" vert="horz" wrap="square" lIns="6350" tIns="6350" rIns="6350" bIns="6350" numCol="1" spcCol="1270" anchor="ctr" anchorCtr="0">
           <a:noAutofit/>
         </a:bodyPr>
         <a:lstStyle/>
         <a:p>
-          <a:pPr lvl="0" algn="ctr" defTabSz="844550">
+          <a:pPr lvl="0" algn="ctr" defTabSz="444500">
             <a:lnSpc>
               <a:spcPct val="90000"/>
             </a:lnSpc>
@@ -1665,10 +1673,14 @@
             </a:spcAft>
           </a:pPr>
           <a:r>
-            <a:rPr lang="en-US" sz="1900" kern="1200" dirty="0" smtClean="0"/>
-            <a:t>PE Web</a:t>
+            <a:rPr lang="en-US" sz="1000" kern="1200" dirty="0" smtClean="0"/>
+            <a:t>PE </a:t>
           </a:r>
-          <a:endParaRPr lang="en-US" sz="1900" kern="1200" dirty="0"/>
+          <a:r>
+            <a:rPr lang="en-US" sz="1000" kern="1200" dirty="0" smtClean="0"/>
+            <a:t>Administrator</a:t>
+          </a:r>
+          <a:endParaRPr lang="en-US" sz="1000" kern="1200" dirty="0"/>
         </a:p>
       </dsp:txBody>
       <dsp:txXfrm>
@@ -1821,12 +1833,12 @@
         </a:fontRef>
       </dsp:style>
       <dsp:txBody>
-        <a:bodyPr spcFirstLastPara="0" vert="horz" wrap="square" lIns="12065" tIns="12065" rIns="12065" bIns="12065" numCol="1" spcCol="1270" anchor="ctr" anchorCtr="0">
+        <a:bodyPr spcFirstLastPara="0" vert="horz" wrap="square" lIns="6350" tIns="6350" rIns="6350" bIns="6350" numCol="1" spcCol="1270" anchor="ctr" anchorCtr="0">
           <a:noAutofit/>
         </a:bodyPr>
         <a:lstStyle/>
         <a:p>
-          <a:pPr lvl="0" algn="ctr" defTabSz="844550">
+          <a:pPr lvl="0" algn="ctr" defTabSz="444500">
             <a:lnSpc>
               <a:spcPct val="90000"/>
             </a:lnSpc>
@@ -1838,10 +1850,14 @@
             </a:spcAft>
           </a:pPr>
           <a:r>
-            <a:rPr lang="en-US" sz="1900" kern="1200" dirty="0" smtClean="0"/>
-            <a:t>PE Mobile</a:t>
+            <a:rPr lang="en-US" sz="1000" kern="1200" dirty="0" smtClean="0"/>
+            <a:t>PE </a:t>
           </a:r>
-          <a:endParaRPr lang="en-US" sz="1900" kern="1200" dirty="0"/>
+          <a:r>
+            <a:rPr lang="en-US" sz="1000" kern="1200" dirty="0" smtClean="0"/>
+            <a:t>Client - Web and mobile</a:t>
+          </a:r>
+          <a:endParaRPr lang="en-US" sz="1000" kern="1200" dirty="0"/>
         </a:p>
       </dsp:txBody>
       <dsp:txXfrm>
@@ -3246,7 +3262,7 @@
           <a:p>
             <a:fld id="{71445E73-7709-3942-9E29-76FEB334D014}" type="datetimeFigureOut">
               <a:rPr lang="en-US" smtClean="0"/>
-              <a:t>11/16/16</a:t>
+              <a:t>12/2/16</a:t>
             </a:fld>
             <a:endParaRPr lang="en-US"/>
           </a:p>
@@ -3411,7 +3427,7 @@
           <a:p>
             <a:fld id="{71445E73-7709-3942-9E29-76FEB334D014}" type="datetimeFigureOut">
               <a:rPr lang="en-US" smtClean="0"/>
-              <a:t>11/16/16</a:t>
+              <a:t>12/2/16</a:t>
             </a:fld>
             <a:endParaRPr lang="en-US"/>
           </a:p>
@@ -3586,7 +3602,7 @@
           <a:p>
             <a:fld id="{71445E73-7709-3942-9E29-76FEB334D014}" type="datetimeFigureOut">
               <a:rPr lang="en-US" smtClean="0"/>
-              <a:t>11/16/16</a:t>
+              <a:t>12/2/16</a:t>
             </a:fld>
             <a:endParaRPr lang="en-US"/>
           </a:p>
@@ -3751,7 +3767,7 @@
           <a:p>
             <a:fld id="{71445E73-7709-3942-9E29-76FEB334D014}" type="datetimeFigureOut">
               <a:rPr lang="en-US" smtClean="0"/>
-              <a:t>11/16/16</a:t>
+              <a:t>12/2/16</a:t>
             </a:fld>
             <a:endParaRPr lang="en-US"/>
           </a:p>
@@ -3990,7 +4006,7 @@
           <a:p>
             <a:fld id="{71445E73-7709-3942-9E29-76FEB334D014}" type="datetimeFigureOut">
               <a:rPr lang="en-US" smtClean="0"/>
-              <a:t>11/16/16</a:t>
+              <a:t>12/2/16</a:t>
             </a:fld>
             <a:endParaRPr lang="en-US"/>
           </a:p>
@@ -4217,7 +4233,7 @@
           <a:p>
             <a:fld id="{71445E73-7709-3942-9E29-76FEB334D014}" type="datetimeFigureOut">
               <a:rPr lang="en-US" smtClean="0"/>
-              <a:t>11/16/16</a:t>
+              <a:t>12/2/16</a:t>
             </a:fld>
             <a:endParaRPr lang="en-US"/>
           </a:p>
@@ -4579,7 +4595,7 @@
           <a:p>
             <a:fld id="{71445E73-7709-3942-9E29-76FEB334D014}" type="datetimeFigureOut">
               <a:rPr lang="en-US" smtClean="0"/>
-              <a:t>11/16/16</a:t>
+              <a:t>12/2/16</a:t>
             </a:fld>
             <a:endParaRPr lang="en-US"/>
           </a:p>
@@ -4692,7 +4708,7 @@
           <a:p>
             <a:fld id="{71445E73-7709-3942-9E29-76FEB334D014}" type="datetimeFigureOut">
               <a:rPr lang="en-US" smtClean="0"/>
-              <a:t>11/16/16</a:t>
+              <a:t>12/2/16</a:t>
             </a:fld>
             <a:endParaRPr lang="en-US"/>
           </a:p>
@@ -4782,7 +4798,7 @@
           <a:p>
             <a:fld id="{71445E73-7709-3942-9E29-76FEB334D014}" type="datetimeFigureOut">
               <a:rPr lang="en-US" smtClean="0"/>
-              <a:t>11/16/16</a:t>
+              <a:t>12/2/16</a:t>
             </a:fld>
             <a:endParaRPr lang="en-US"/>
           </a:p>
@@ -5054,7 +5070,7 @@
           <a:p>
             <a:fld id="{71445E73-7709-3942-9E29-76FEB334D014}" type="datetimeFigureOut">
               <a:rPr lang="en-US" smtClean="0"/>
-              <a:t>11/16/16</a:t>
+              <a:t>12/2/16</a:t>
             </a:fld>
             <a:endParaRPr lang="en-US"/>
           </a:p>
@@ -5306,7 +5322,7 @@
           <a:p>
             <a:fld id="{71445E73-7709-3942-9E29-76FEB334D014}" type="datetimeFigureOut">
               <a:rPr lang="en-US" smtClean="0"/>
-              <a:t>11/16/16</a:t>
+              <a:t>12/2/16</a:t>
             </a:fld>
             <a:endParaRPr lang="en-US"/>
           </a:p>
@@ -5514,7 +5530,7 @@
           <a:p>
             <a:fld id="{71445E73-7709-3942-9E29-76FEB334D014}" type="datetimeFigureOut">
               <a:rPr lang="en-US" smtClean="0"/>
-              <a:t>11/16/16</a:t>
+              <a:t>12/2/16</a:t>
             </a:fld>
             <a:endParaRPr lang="en-US"/>
           </a:p>
@@ -6124,7 +6140,7 @@
           <a:p>
             <a:fld id="{1D7F627E-EA13-DB47-86A6-F904E9402158}" type="datetime1">
               <a:rPr lang="it-IT"/>
-              <a:t>16/11/16</a:t>
+              <a:t>02/12/16</a:t>
             </a:fld>
             <a:endParaRPr lang="en-US" dirty="0"/>
           </a:p>
@@ -7902,7 +7918,7 @@
             <p:ph idx="1"/>
             <p:extLst>
               <p:ext uri="{D42A27DB-BD31-4B8C-83A1-F6EECF244321}">
-                <p14:modId xmlns:p14="http://schemas.microsoft.com/office/powerpoint/2010/main" val="2111327380"/>
+                <p14:modId xmlns:p14="http://schemas.microsoft.com/office/powerpoint/2010/main" val="1220747554"/>
               </p:ext>
             </p:extLst>
           </p:nvPr>
@@ -8058,6 +8074,173 @@
           <a:xfrm flipV="1">
             <a:off x="5521124" y="2905246"/>
             <a:ext cx="1748743" cy="1039762"/>
+          </a:xfrm>
+          <a:prstGeom prst="line">
+            <a:avLst/>
+          </a:prstGeom>
+          <a:ln w="31750">
+            <a:prstDash val="dash"/>
+          </a:ln>
+        </p:spPr>
+        <p:style>
+          <a:lnRef idx="1">
+            <a:schemeClr val="accent1"/>
+          </a:lnRef>
+          <a:fillRef idx="0">
+            <a:schemeClr val="accent1"/>
+          </a:fillRef>
+          <a:effectRef idx="0">
+            <a:schemeClr val="accent1"/>
+          </a:effectRef>
+          <a:fontRef idx="minor">
+            <a:schemeClr val="tx1"/>
+          </a:fontRef>
+        </p:style>
+      </p:cxnSp>
+      <p:sp>
+        <p:nvSpPr>
+          <p:cNvPr id="9" name="Rectangle 8"/>
+          <p:cNvSpPr/>
+          <p:nvPr/>
+        </p:nvSpPr>
+        <p:spPr>
+          <a:xfrm>
+            <a:off x="628650" y="3945008"/>
+            <a:ext cx="1469985" cy="625033"/>
+          </a:xfrm>
+          <a:prstGeom prst="rect">
+            <a:avLst/>
+          </a:prstGeom>
+          <a:solidFill>
+            <a:schemeClr val="accent6">
+              <a:lumMod val="75000"/>
+            </a:schemeClr>
+          </a:solidFill>
+        </p:spPr>
+        <p:style>
+          <a:lnRef idx="2">
+            <a:schemeClr val="accent1">
+              <a:shade val="50000"/>
+            </a:schemeClr>
+          </a:lnRef>
+          <a:fillRef idx="1">
+            <a:schemeClr val="accent1"/>
+          </a:fillRef>
+          <a:effectRef idx="0">
+            <a:schemeClr val="accent1"/>
+          </a:effectRef>
+          <a:fontRef idx="minor">
+            <a:schemeClr val="lt1"/>
+          </a:fontRef>
+        </p:style>
+        <p:txBody>
+          <a:bodyPr rtlCol="0" anchor="ctr"/>
+          <a:lstStyle/>
+          <a:p>
+            <a:pPr algn="ctr"/>
+            <a:r>
+              <a:rPr lang="en-US" dirty="0" smtClean="0"/>
+              <a:t>Maintenance service</a:t>
+            </a:r>
+          </a:p>
+        </p:txBody>
+      </p:sp>
+      <p:cxnSp>
+        <p:nvCxnSpPr>
+          <p:cNvPr id="10" name="Straight Connector 9"/>
+          <p:cNvCxnSpPr>
+            <a:stCxn id="9" idx="3"/>
+          </p:cNvCxnSpPr>
+          <p:nvPr/>
+        </p:nvCxnSpPr>
+        <p:spPr>
+          <a:xfrm>
+            <a:off x="2098635" y="4257525"/>
+            <a:ext cx="1410109" cy="144354"/>
+          </a:xfrm>
+          <a:prstGeom prst="line">
+            <a:avLst/>
+          </a:prstGeom>
+          <a:ln w="31750">
+            <a:prstDash val="dash"/>
+          </a:ln>
+        </p:spPr>
+        <p:style>
+          <a:lnRef idx="1">
+            <a:schemeClr val="accent1"/>
+          </a:lnRef>
+          <a:fillRef idx="0">
+            <a:schemeClr val="accent1"/>
+          </a:fillRef>
+          <a:effectRef idx="0">
+            <a:schemeClr val="accent1"/>
+          </a:effectRef>
+          <a:fontRef idx="minor">
+            <a:schemeClr val="tx1"/>
+          </a:fontRef>
+        </p:style>
+      </p:cxnSp>
+      <p:sp>
+        <p:nvSpPr>
+          <p:cNvPr id="11" name="Rectangle 10"/>
+          <p:cNvSpPr/>
+          <p:nvPr/>
+        </p:nvSpPr>
+        <p:spPr>
+          <a:xfrm>
+            <a:off x="6852139" y="3984867"/>
+            <a:ext cx="1549079" cy="625033"/>
+          </a:xfrm>
+          <a:prstGeom prst="rect">
+            <a:avLst/>
+          </a:prstGeom>
+          <a:solidFill>
+            <a:schemeClr val="accent6">
+              <a:lumMod val="75000"/>
+            </a:schemeClr>
+          </a:solidFill>
+        </p:spPr>
+        <p:style>
+          <a:lnRef idx="2">
+            <a:schemeClr val="accent1">
+              <a:shade val="50000"/>
+            </a:schemeClr>
+          </a:lnRef>
+          <a:fillRef idx="1">
+            <a:schemeClr val="accent1"/>
+          </a:fillRef>
+          <a:effectRef idx="0">
+            <a:schemeClr val="accent1"/>
+          </a:effectRef>
+          <a:fontRef idx="minor">
+            <a:schemeClr val="lt1"/>
+          </a:fontRef>
+        </p:style>
+        <p:txBody>
+          <a:bodyPr rtlCol="0" anchor="ctr"/>
+          <a:lstStyle/>
+          <a:p>
+            <a:pPr algn="ctr"/>
+            <a:r>
+              <a:rPr lang="en-US" dirty="0" smtClean="0"/>
+              <a:t>SMS Service</a:t>
+            </a:r>
+            <a:endParaRPr lang="en-US" dirty="0" smtClean="0"/>
+          </a:p>
+        </p:txBody>
+      </p:sp>
+      <p:cxnSp>
+        <p:nvCxnSpPr>
+          <p:cNvPr id="14" name="Straight Connector 13"/>
+          <p:cNvCxnSpPr>
+            <a:endCxn id="11" idx="1"/>
+          </p:cNvCxnSpPr>
+          <p:nvPr/>
+        </p:nvCxnSpPr>
+        <p:spPr>
+          <a:xfrm flipV="1">
+            <a:off x="4572000" y="4297384"/>
+            <a:ext cx="2280139" cy="272658"/>
           </a:xfrm>
           <a:prstGeom prst="line">
             <a:avLst/>
@@ -8225,6 +8408,132 @@
                       </p:childTnLst>
                     </p:cTn>
                   </p:par>
+                  <p:par>
+                    <p:cTn id="13" fill="hold">
+                      <p:stCondLst>
+                        <p:cond delay="indefinite"/>
+                      </p:stCondLst>
+                      <p:childTnLst>
+                        <p:par>
+                          <p:cTn id="14" fill="hold">
+                            <p:stCondLst>
+                              <p:cond delay="0"/>
+                            </p:stCondLst>
+                            <p:childTnLst>
+                              <p:par>
+                                <p:cTn id="15" presetID="1" presetClass="entr" presetSubtype="0" fill="hold" grpId="0" nodeType="clickEffect">
+                                  <p:stCondLst>
+                                    <p:cond delay="0"/>
+                                  </p:stCondLst>
+                                  <p:childTnLst>
+                                    <p:set>
+                                      <p:cBhvr>
+                                        <p:cTn id="16" dur="1" fill="hold">
+                                          <p:stCondLst>
+                                            <p:cond delay="0"/>
+                                          </p:stCondLst>
+                                        </p:cTn>
+                                        <p:tgtEl>
+                                          <p:spTgt spid="9"/>
+                                        </p:tgtEl>
+                                        <p:attrNameLst>
+                                          <p:attrName>style.visibility</p:attrName>
+                                        </p:attrNameLst>
+                                      </p:cBhvr>
+                                      <p:to>
+                                        <p:strVal val="visible"/>
+                                      </p:to>
+                                    </p:set>
+                                  </p:childTnLst>
+                                </p:cTn>
+                              </p:par>
+                              <p:par>
+                                <p:cTn id="17" presetID="1" presetClass="entr" presetSubtype="0" fill="hold" nodeType="withEffect">
+                                  <p:stCondLst>
+                                    <p:cond delay="0"/>
+                                  </p:stCondLst>
+                                  <p:childTnLst>
+                                    <p:set>
+                                      <p:cBhvr>
+                                        <p:cTn id="18" dur="1" fill="hold">
+                                          <p:stCondLst>
+                                            <p:cond delay="0"/>
+                                          </p:stCondLst>
+                                        </p:cTn>
+                                        <p:tgtEl>
+                                          <p:spTgt spid="10"/>
+                                        </p:tgtEl>
+                                        <p:attrNameLst>
+                                          <p:attrName>style.visibility</p:attrName>
+                                        </p:attrNameLst>
+                                      </p:cBhvr>
+                                      <p:to>
+                                        <p:strVal val="visible"/>
+                                      </p:to>
+                                    </p:set>
+                                  </p:childTnLst>
+                                </p:cTn>
+                              </p:par>
+                              <p:par>
+                                <p:cTn id="19" presetID="1" presetClass="entr" presetSubtype="0" fill="hold" grpId="0" nodeType="withEffect">
+                                  <p:stCondLst>
+                                    <p:cond delay="0"/>
+                                  </p:stCondLst>
+                                  <p:childTnLst>
+                                    <p:set>
+                                      <p:cBhvr>
+                                        <p:cTn id="20" dur="1" fill="hold">
+                                          <p:stCondLst>
+                                            <p:cond delay="0"/>
+                                          </p:stCondLst>
+                                        </p:cTn>
+                                        <p:tgtEl>
+                                          <p:spTgt spid="11"/>
+                                        </p:tgtEl>
+                                        <p:attrNameLst>
+                                          <p:attrName>style.visibility</p:attrName>
+                                        </p:attrNameLst>
+                                      </p:cBhvr>
+                                      <p:to>
+                                        <p:strVal val="visible"/>
+                                      </p:to>
+                                    </p:set>
+                                  </p:childTnLst>
+                                </p:cTn>
+                              </p:par>
+                              <p:par>
+                                <p:cTn id="21" presetID="1" presetClass="entr" presetSubtype="0" fill="hold" nodeType="withEffect">
+                                  <p:stCondLst>
+                                    <p:cond delay="0"/>
+                                  </p:stCondLst>
+                                  <p:childTnLst>
+                                    <p:set>
+                                      <p:cBhvr>
+                                        <p:cTn id="22" dur="1" fill="hold">
+                                          <p:stCondLst>
+                                            <p:cond delay="0"/>
+                                          </p:stCondLst>
+                                        </p:cTn>
+                                        <p:tgtEl>
+                                          <p:spTgt spid="14"/>
+                                        </p:tgtEl>
+                                        <p:attrNameLst>
+                                          <p:attrName>style.visibility</p:attrName>
+                                        </p:attrNameLst>
+                                      </p:cBhvr>
+                                      <p:to>
+                                        <p:strVal val="visible"/>
+                                      </p:to>
+                                    </p:set>
+                                  </p:childTnLst>
+                                </p:cTn>
+                              </p:par>
+                            </p:childTnLst>
+                          </p:cTn>
+                        </p:par>
+                      </p:childTnLst>
+                    </p:cTn>
+                  </p:par>
                 </p:childTnLst>
               </p:cTn>
               <p:prevCondLst>
@@ -8249,6 +8558,8 @@
     <p:bldLst>
       <p:bldP spid="7" grpId="0" animBg="1"/>
       <p:bldP spid="8" grpId="0" animBg="1"/>
+      <p:bldP spid="9" grpId="0" animBg="1"/>
+      <p:bldP spid="11" grpId="0" animBg="1"/>
     </p:bldLst>
   </p:timing>
 </p:sld>
